--- a/lesson02.pptx
+++ b/lesson02.pptx
@@ -208,7 +208,7 @@
 <file path=ppt/revisionInfo.xml><?xml version="1.0" encoding="utf-8"?>
 <p1510:revInfo xmlns:a="http://schemas.openxmlformats.org/drawingml/2006/main" xmlns:r="http://schemas.openxmlformats.org/officeDocument/2006/relationships" xmlns:p1510="http://schemas.microsoft.com/office/powerpoint/2015/10/main">
   <p1510:revLst>
-    <p1510:client id="{BD5E7417-C80E-48B4-9E37-4FED77A3C1F8}" v="1" dt="2021-01-31T03:58:00.153"/>
+    <p1510:client id="{F5F9CB96-94A3-4E8E-AAD2-BB8BE314B938}" v="20" dt="2021-02-03T18:04:16.962"/>
   </p1510:revLst>
 </p1510:revInfo>
 </file>
@@ -217,8 +217,8 @@
 <pc:chgInfo xmlns:a="http://schemas.openxmlformats.org/drawingml/2006/main" xmlns:r="http://schemas.openxmlformats.org/officeDocument/2006/relationships" xmlns:ac="http://schemas.microsoft.com/office/drawing/2013/main/command" xmlns:pc="http://schemas.microsoft.com/office/powerpoint/2013/main/command">
   <pc:docChgLst>
     <pc:chgData name="Anatoliy Kigel" userId="7432c6c4687b0a9c" providerId="LiveId" clId="{F5F9CB96-94A3-4E8E-AAD2-BB8BE314B938}"/>
-    <pc:docChg chg="delSld modSld modSection">
-      <pc:chgData name="Anatoliy Kigel" userId="7432c6c4687b0a9c" providerId="LiveId" clId="{F5F9CB96-94A3-4E8E-AAD2-BB8BE314B938}" dt="2021-01-31T04:33:52.797" v="9" actId="47"/>
+    <pc:docChg chg="undo custSel delSld modSld modSection">
+      <pc:chgData name="Anatoliy Kigel" userId="7432c6c4687b0a9c" providerId="LiveId" clId="{F5F9CB96-94A3-4E8E-AAD2-BB8BE314B938}" dt="2021-02-03T18:04:49.046" v="244" actId="14100"/>
       <pc:docMkLst>
         <pc:docMk/>
       </pc:docMkLst>
@@ -281,6 +281,229 @@
             <ac:spMk id="5" creationId="{00000000-0000-0000-0000-000000000000}"/>
           </ac:spMkLst>
         </pc:spChg>
+      </pc:sldChg>
+      <pc:sldChg chg="addSp delSp modSp mod">
+        <pc:chgData name="Anatoliy Kigel" userId="7432c6c4687b0a9c" providerId="LiveId" clId="{F5F9CB96-94A3-4E8E-AAD2-BB8BE314B938}" dt="2021-02-03T18:04:49.046" v="244" actId="14100"/>
+        <pc:sldMkLst>
+          <pc:docMk/>
+          <pc:sldMk cId="44952471" sldId="393"/>
+        </pc:sldMkLst>
+        <pc:spChg chg="mod">
+          <ac:chgData name="Anatoliy Kigel" userId="7432c6c4687b0a9c" providerId="LiveId" clId="{F5F9CB96-94A3-4E8E-AAD2-BB8BE314B938}" dt="2021-02-03T18:04:04.725" v="238" actId="6549"/>
+          <ac:spMkLst>
+            <pc:docMk/>
+            <pc:sldMk cId="44952471" sldId="393"/>
+            <ac:spMk id="2" creationId="{00000000-0000-0000-0000-000000000000}"/>
+          </ac:spMkLst>
+        </pc:spChg>
+        <pc:grpChg chg="add mod">
+          <ac:chgData name="Anatoliy Kigel" userId="7432c6c4687b0a9c" providerId="LiveId" clId="{F5F9CB96-94A3-4E8E-AAD2-BB8BE314B938}" dt="2021-02-03T18:04:49.046" v="244" actId="14100"/>
+          <ac:grpSpMkLst>
+            <pc:docMk/>
+            <pc:sldMk cId="44952471" sldId="393"/>
+            <ac:grpSpMk id="7" creationId="{E3044FAA-76FF-484C-8772-57AC13D71856}"/>
+          </ac:grpSpMkLst>
+        </pc:grpChg>
+        <pc:grpChg chg="del mod">
+          <ac:chgData name="Anatoliy Kigel" userId="7432c6c4687b0a9c" providerId="LiveId" clId="{F5F9CB96-94A3-4E8E-AAD2-BB8BE314B938}" dt="2021-02-03T17:28:41.588" v="13" actId="478"/>
+          <ac:grpSpMkLst>
+            <pc:docMk/>
+            <pc:sldMk cId="44952471" sldId="393"/>
+            <ac:grpSpMk id="13" creationId="{00000000-0000-0000-0000-000000000000}"/>
+          </ac:grpSpMkLst>
+        </pc:grpChg>
+        <pc:picChg chg="add mod">
+          <ac:chgData name="Anatoliy Kigel" userId="7432c6c4687b0a9c" providerId="LiveId" clId="{F5F9CB96-94A3-4E8E-AAD2-BB8BE314B938}" dt="2021-02-03T17:35:07.870" v="203" actId="164"/>
+          <ac:picMkLst>
+            <pc:docMk/>
+            <pc:sldMk cId="44952471" sldId="393"/>
+            <ac:picMk id="4" creationId="{145DE559-FAF9-4483-8136-FB4E6291B425}"/>
+          </ac:picMkLst>
+        </pc:picChg>
+        <pc:picChg chg="add mod modCrop">
+          <ac:chgData name="Anatoliy Kigel" userId="7432c6c4687b0a9c" providerId="LiveId" clId="{F5F9CB96-94A3-4E8E-AAD2-BB8BE314B938}" dt="2021-02-03T17:35:07.870" v="203" actId="164"/>
+          <ac:picMkLst>
+            <pc:docMk/>
+            <pc:sldMk cId="44952471" sldId="393"/>
+            <ac:picMk id="6" creationId="{E0C14291-B461-4B1F-8B75-CB9160D55C74}"/>
+          </ac:picMkLst>
+        </pc:picChg>
+        <pc:picChg chg="add mod">
+          <ac:chgData name="Anatoliy Kigel" userId="7432c6c4687b0a9c" providerId="LiveId" clId="{F5F9CB96-94A3-4E8E-AAD2-BB8BE314B938}" dt="2021-02-03T18:04:29.152" v="243" actId="1076"/>
+          <ac:picMkLst>
+            <pc:docMk/>
+            <pc:sldMk cId="44952471" sldId="393"/>
+            <ac:picMk id="9" creationId="{FE887D8A-B03B-418D-BF66-36465B5AD3A9}"/>
+          </ac:picMkLst>
+        </pc:picChg>
+        <pc:picChg chg="mod">
+          <ac:chgData name="Anatoliy Kigel" userId="7432c6c4687b0a9c" providerId="LiveId" clId="{F5F9CB96-94A3-4E8E-AAD2-BB8BE314B938}" dt="2021-02-03T17:15:12.707" v="11" actId="1076"/>
+          <ac:picMkLst>
+            <pc:docMk/>
+            <pc:sldMk cId="44952471" sldId="393"/>
+            <ac:picMk id="10" creationId="{00000000-0000-0000-0000-000000000000}"/>
+          </ac:picMkLst>
+        </pc:picChg>
+        <pc:picChg chg="mod">
+          <ac:chgData name="Anatoliy Kigel" userId="7432c6c4687b0a9c" providerId="LiveId" clId="{F5F9CB96-94A3-4E8E-AAD2-BB8BE314B938}" dt="2021-02-03T17:15:12.707" v="11" actId="1076"/>
+          <ac:picMkLst>
+            <pc:docMk/>
+            <pc:sldMk cId="44952471" sldId="393"/>
+            <ac:picMk id="15" creationId="{00000000-0000-0000-0000-000000000000}"/>
+          </ac:picMkLst>
+        </pc:picChg>
+        <pc:picChg chg="mod">
+          <ac:chgData name="Anatoliy Kigel" userId="7432c6c4687b0a9c" providerId="LiveId" clId="{F5F9CB96-94A3-4E8E-AAD2-BB8BE314B938}" dt="2021-02-03T17:15:12.707" v="11" actId="1076"/>
+          <ac:picMkLst>
+            <pc:docMk/>
+            <pc:sldMk cId="44952471" sldId="393"/>
+            <ac:picMk id="16" creationId="{00000000-0000-0000-0000-000000000000}"/>
+          </ac:picMkLst>
+        </pc:picChg>
+        <pc:picChg chg="mod">
+          <ac:chgData name="Anatoliy Kigel" userId="7432c6c4687b0a9c" providerId="LiveId" clId="{F5F9CB96-94A3-4E8E-AAD2-BB8BE314B938}" dt="2021-02-03T17:15:12.707" v="11" actId="1076"/>
+          <ac:picMkLst>
+            <pc:docMk/>
+            <pc:sldMk cId="44952471" sldId="393"/>
+            <ac:picMk id="17" creationId="{00000000-0000-0000-0000-000000000000}"/>
+          </ac:picMkLst>
+        </pc:picChg>
+        <pc:picChg chg="add del mod">
+          <ac:chgData name="Anatoliy Kigel" userId="7432c6c4687b0a9c" providerId="LiveId" clId="{F5F9CB96-94A3-4E8E-AAD2-BB8BE314B938}" dt="2021-02-03T17:33:22.447" v="122" actId="478"/>
+          <ac:picMkLst>
+            <pc:docMk/>
+            <pc:sldMk cId="44952471" sldId="393"/>
+            <ac:picMk id="18" creationId="{3BC18B84-C1AF-4FA2-9010-AB2B02DBAF6B}"/>
+          </ac:picMkLst>
+        </pc:picChg>
+        <pc:picChg chg="add mod">
+          <ac:chgData name="Anatoliy Kigel" userId="7432c6c4687b0a9c" providerId="LiveId" clId="{F5F9CB96-94A3-4E8E-AAD2-BB8BE314B938}" dt="2021-02-03T17:35:07.870" v="203" actId="164"/>
+          <ac:picMkLst>
+            <pc:docMk/>
+            <pc:sldMk cId="44952471" sldId="393"/>
+            <ac:picMk id="19" creationId="{36ED3037-E16F-49E0-B6D9-B7291976101E}"/>
+          </ac:picMkLst>
+        </pc:picChg>
+        <pc:picChg chg="mod">
+          <ac:chgData name="Anatoliy Kigel" userId="7432c6c4687b0a9c" providerId="LiveId" clId="{F5F9CB96-94A3-4E8E-AAD2-BB8BE314B938}" dt="2021-02-03T17:15:12.707" v="11" actId="1076"/>
+          <ac:picMkLst>
+            <pc:docMk/>
+            <pc:sldMk cId="44952471" sldId="393"/>
+            <ac:picMk id="20" creationId="{00000000-0000-0000-0000-000000000000}"/>
+          </ac:picMkLst>
+        </pc:picChg>
+        <pc:picChg chg="mod">
+          <ac:chgData name="Anatoliy Kigel" userId="7432c6c4687b0a9c" providerId="LiveId" clId="{F5F9CB96-94A3-4E8E-AAD2-BB8BE314B938}" dt="2021-02-03T17:15:12.707" v="11" actId="1076"/>
+          <ac:picMkLst>
+            <pc:docMk/>
+            <pc:sldMk cId="44952471" sldId="393"/>
+            <ac:picMk id="21" creationId="{00000000-0000-0000-0000-000000000000}"/>
+          </ac:picMkLst>
+        </pc:picChg>
+        <pc:picChg chg="add mod">
+          <ac:chgData name="Anatoliy Kigel" userId="7432c6c4687b0a9c" providerId="LiveId" clId="{F5F9CB96-94A3-4E8E-AAD2-BB8BE314B938}" dt="2021-02-03T17:35:07.870" v="203" actId="164"/>
+          <ac:picMkLst>
+            <pc:docMk/>
+            <pc:sldMk cId="44952471" sldId="393"/>
+            <ac:picMk id="22" creationId="{D50CE074-E25F-47FF-B871-D8BBBD02A57F}"/>
+          </ac:picMkLst>
+        </pc:picChg>
+        <pc:picChg chg="add mod">
+          <ac:chgData name="Anatoliy Kigel" userId="7432c6c4687b0a9c" providerId="LiveId" clId="{F5F9CB96-94A3-4E8E-AAD2-BB8BE314B938}" dt="2021-02-03T17:35:07.870" v="203" actId="164"/>
+          <ac:picMkLst>
+            <pc:docMk/>
+            <pc:sldMk cId="44952471" sldId="393"/>
+            <ac:picMk id="23" creationId="{A3E30BB2-9C55-481E-AACD-B24019B6A689}"/>
+          </ac:picMkLst>
+        </pc:picChg>
+        <pc:picChg chg="del mod">
+          <ac:chgData name="Anatoliy Kigel" userId="7432c6c4687b0a9c" providerId="LiveId" clId="{F5F9CB96-94A3-4E8E-AAD2-BB8BE314B938}" dt="2021-02-03T17:35:16.527" v="207" actId="21"/>
+          <ac:picMkLst>
+            <pc:docMk/>
+            <pc:sldMk cId="44952471" sldId="393"/>
+            <ac:picMk id="24" creationId="{00000000-0000-0000-0000-000000000000}"/>
+          </ac:picMkLst>
+        </pc:picChg>
+        <pc:picChg chg="add mod">
+          <ac:chgData name="Anatoliy Kigel" userId="7432c6c4687b0a9c" providerId="LiveId" clId="{F5F9CB96-94A3-4E8E-AAD2-BB8BE314B938}" dt="2021-02-03T17:35:07.870" v="203" actId="164"/>
+          <ac:picMkLst>
+            <pc:docMk/>
+            <pc:sldMk cId="44952471" sldId="393"/>
+            <ac:picMk id="26" creationId="{570F6208-56D0-4FEB-A5CC-9C23F4EC8F95}"/>
+          </ac:picMkLst>
+        </pc:picChg>
+        <pc:picChg chg="add mod">
+          <ac:chgData name="Anatoliy Kigel" userId="7432c6c4687b0a9c" providerId="LiveId" clId="{F5F9CB96-94A3-4E8E-AAD2-BB8BE314B938}" dt="2021-02-03T17:35:07.870" v="203" actId="164"/>
+          <ac:picMkLst>
+            <pc:docMk/>
+            <pc:sldMk cId="44952471" sldId="393"/>
+            <ac:picMk id="27" creationId="{BC5E448F-3F11-4790-9AA2-C3DCF3C6E5CE}"/>
+          </ac:picMkLst>
+        </pc:picChg>
+        <pc:picChg chg="add mod">
+          <ac:chgData name="Anatoliy Kigel" userId="7432c6c4687b0a9c" providerId="LiveId" clId="{F5F9CB96-94A3-4E8E-AAD2-BB8BE314B938}" dt="2021-02-03T17:35:07.870" v="203" actId="164"/>
+          <ac:picMkLst>
+            <pc:docMk/>
+            <pc:sldMk cId="44952471" sldId="393"/>
+            <ac:picMk id="28" creationId="{10F844F2-3673-4370-9A77-D02946B1B932}"/>
+          </ac:picMkLst>
+        </pc:picChg>
+        <pc:picChg chg="add mod">
+          <ac:chgData name="Anatoliy Kigel" userId="7432c6c4687b0a9c" providerId="LiveId" clId="{F5F9CB96-94A3-4E8E-AAD2-BB8BE314B938}" dt="2021-02-03T17:35:07.870" v="203" actId="164"/>
+          <ac:picMkLst>
+            <pc:docMk/>
+            <pc:sldMk cId="44952471" sldId="393"/>
+            <ac:picMk id="29" creationId="{5617D938-F6FA-4E1D-98EA-9B984AA9B633}"/>
+          </ac:picMkLst>
+        </pc:picChg>
+        <pc:picChg chg="add mod">
+          <ac:chgData name="Anatoliy Kigel" userId="7432c6c4687b0a9c" providerId="LiveId" clId="{F5F9CB96-94A3-4E8E-AAD2-BB8BE314B938}" dt="2021-02-03T17:35:07.870" v="203" actId="164"/>
+          <ac:picMkLst>
+            <pc:docMk/>
+            <pc:sldMk cId="44952471" sldId="393"/>
+            <ac:picMk id="30" creationId="{599E79FC-E50D-4C78-971A-9E40054A5F0C}"/>
+          </ac:picMkLst>
+        </pc:picChg>
+        <pc:picChg chg="add mod">
+          <ac:chgData name="Anatoliy Kigel" userId="7432c6c4687b0a9c" providerId="LiveId" clId="{F5F9CB96-94A3-4E8E-AAD2-BB8BE314B938}" dt="2021-02-03T17:35:07.870" v="203" actId="164"/>
+          <ac:picMkLst>
+            <pc:docMk/>
+            <pc:sldMk cId="44952471" sldId="393"/>
+            <ac:picMk id="31" creationId="{68FBB6D2-ACEF-4543-85F7-58267F5FE843}"/>
+          </ac:picMkLst>
+        </pc:picChg>
+        <pc:picChg chg="add mod">
+          <ac:chgData name="Anatoliy Kigel" userId="7432c6c4687b0a9c" providerId="LiveId" clId="{F5F9CB96-94A3-4E8E-AAD2-BB8BE314B938}" dt="2021-02-03T17:35:07.870" v="203" actId="164"/>
+          <ac:picMkLst>
+            <pc:docMk/>
+            <pc:sldMk cId="44952471" sldId="393"/>
+            <ac:picMk id="32" creationId="{2CFECED8-6964-4DF6-BBDA-0B8630EF763E}"/>
+          </ac:picMkLst>
+        </pc:picChg>
+        <pc:picChg chg="add mod">
+          <ac:chgData name="Anatoliy Kigel" userId="7432c6c4687b0a9c" providerId="LiveId" clId="{F5F9CB96-94A3-4E8E-AAD2-BB8BE314B938}" dt="2021-02-03T17:35:07.870" v="203" actId="164"/>
+          <ac:picMkLst>
+            <pc:docMk/>
+            <pc:sldMk cId="44952471" sldId="393"/>
+            <ac:picMk id="33" creationId="{B8D68226-8E79-4944-B66D-D255970BF0D8}"/>
+          </ac:picMkLst>
+        </pc:picChg>
+        <pc:picChg chg="add del mod">
+          <ac:chgData name="Anatoliy Kigel" userId="7432c6c4687b0a9c" providerId="LiveId" clId="{F5F9CB96-94A3-4E8E-AAD2-BB8BE314B938}" dt="2021-02-03T17:45:43.661" v="228" actId="478"/>
+          <ac:picMkLst>
+            <pc:docMk/>
+            <pc:sldMk cId="44952471" sldId="393"/>
+            <ac:picMk id="34" creationId="{E22B44C4-5BFE-43D5-B9EC-7B36A145E97B}"/>
+          </ac:picMkLst>
+        </pc:picChg>
+        <pc:picChg chg="add mod">
+          <ac:chgData name="Anatoliy Kigel" userId="7432c6c4687b0a9c" providerId="LiveId" clId="{F5F9CB96-94A3-4E8E-AAD2-BB8BE314B938}" dt="2021-02-03T18:04:22.443" v="241" actId="1076"/>
+          <ac:picMkLst>
+            <pc:docMk/>
+            <pc:sldMk cId="44952471" sldId="393"/>
+            <ac:picMk id="35" creationId="{392A13E7-C414-4F4F-9AC3-592E38BD0BDA}"/>
+          </ac:picMkLst>
+        </pc:picChg>
       </pc:sldChg>
       <pc:sldChg chg="del">
         <pc:chgData name="Anatoliy Kigel" userId="7432c6c4687b0a9c" providerId="LiveId" clId="{F5F9CB96-94A3-4E8E-AAD2-BB8BE314B938}" dt="2021-01-31T04:33:52.797" v="9" actId="47"/>
@@ -429,7 +652,7 @@
             <a:fld id="{85522811-C5C6-42D2-A409-F8556720C93F}" type="datetimeFigureOut">
               <a:rPr lang="uk-UA" smtClean="0"/>
               <a:pPr/>
-              <a:t>31.01.2021</a:t>
+              <a:t>03.02.2021</a:t>
             </a:fld>
             <a:endParaRPr lang="uk-UA"/>
           </a:p>
@@ -974,7 +1197,7 @@
             <a:fld id="{E6FC6B0D-6115-4D7C-8040-9C8E2349BB6E}" type="datetime1">
               <a:rPr lang="uk-UA" smtClean="0"/>
               <a:pPr/>
-              <a:t>31.01.2021</a:t>
+              <a:t>03.02.2021</a:t>
             </a:fld>
             <a:endParaRPr lang="uk-UA"/>
           </a:p>
@@ -1141,7 +1364,7 @@
             <a:fld id="{996367BA-0A39-4DE2-BFC3-D5290044365E}" type="datetime1">
               <a:rPr lang="uk-UA" smtClean="0"/>
               <a:pPr/>
-              <a:t>31.01.2021</a:t>
+              <a:t>03.02.2021</a:t>
             </a:fld>
             <a:endParaRPr lang="uk-UA"/>
           </a:p>
@@ -1318,7 +1541,7 @@
             <a:fld id="{1BD6A67F-6C29-47DC-AF8A-FDB3C787DF70}" type="datetime1">
               <a:rPr lang="uk-UA" smtClean="0"/>
               <a:pPr/>
-              <a:t>31.01.2021</a:t>
+              <a:t>03.02.2021</a:t>
             </a:fld>
             <a:endParaRPr lang="uk-UA"/>
           </a:p>
@@ -1485,7 +1708,7 @@
             <a:fld id="{1657D9C5-7FF1-434F-B56E-9BAD559744E9}" type="datetime1">
               <a:rPr lang="uk-UA" smtClean="0"/>
               <a:pPr/>
-              <a:t>31.01.2021</a:t>
+              <a:t>03.02.2021</a:t>
             </a:fld>
             <a:endParaRPr lang="uk-UA"/>
           </a:p>
@@ -1728,7 +1951,7 @@
             <a:fld id="{2CEB0FC9-DE63-476B-A1A9-BE934D9049F8}" type="datetime1">
               <a:rPr lang="uk-UA" smtClean="0"/>
               <a:pPr/>
-              <a:t>31.01.2021</a:t>
+              <a:t>03.02.2021</a:t>
             </a:fld>
             <a:endParaRPr lang="uk-UA"/>
           </a:p>
@@ -2013,7 +2236,7 @@
             <a:fld id="{F964460F-86E2-4DF6-9D0F-12F5005CF375}" type="datetime1">
               <a:rPr lang="uk-UA" smtClean="0"/>
               <a:pPr/>
-              <a:t>31.01.2021</a:t>
+              <a:t>03.02.2021</a:t>
             </a:fld>
             <a:endParaRPr lang="uk-UA"/>
           </a:p>
@@ -2432,7 +2655,7 @@
             <a:fld id="{C521715E-DDCD-4267-B0A5-2918B6F6768A}" type="datetime1">
               <a:rPr lang="uk-UA" smtClean="0"/>
               <a:pPr/>
-              <a:t>31.01.2021</a:t>
+              <a:t>03.02.2021</a:t>
             </a:fld>
             <a:endParaRPr lang="uk-UA"/>
           </a:p>
@@ -2547,7 +2770,7 @@
             <a:fld id="{9289842C-EB2D-4EBB-A272-2F6A49D9794D}" type="datetime1">
               <a:rPr lang="uk-UA" smtClean="0"/>
               <a:pPr/>
-              <a:t>31.01.2021</a:t>
+              <a:t>03.02.2021</a:t>
             </a:fld>
             <a:endParaRPr lang="uk-UA"/>
           </a:p>
@@ -2639,7 +2862,7 @@
             <a:fld id="{D036F091-B700-4B52-99AC-85D0FD94D904}" type="datetime1">
               <a:rPr lang="uk-UA" smtClean="0"/>
               <a:pPr/>
-              <a:t>31.01.2021</a:t>
+              <a:t>03.02.2021</a:t>
             </a:fld>
             <a:endParaRPr lang="uk-UA"/>
           </a:p>
@@ -2913,7 +3136,7 @@
             <a:fld id="{B35DFABA-3811-4634-B803-2EAC4CD0063B}" type="datetime1">
               <a:rPr lang="uk-UA" smtClean="0"/>
               <a:pPr/>
-              <a:t>31.01.2021</a:t>
+              <a:t>03.02.2021</a:t>
             </a:fld>
             <a:endParaRPr lang="uk-UA"/>
           </a:p>
@@ -3163,7 +3386,7 @@
             <a:fld id="{8A9EA25E-F88E-463A-A119-D1E55A881002}" type="datetime1">
               <a:rPr lang="uk-UA" smtClean="0"/>
               <a:pPr/>
-              <a:t>31.01.2021</a:t>
+              <a:t>03.02.2021</a:t>
             </a:fld>
             <a:endParaRPr lang="uk-UA"/>
           </a:p>
@@ -3373,7 +3596,7 @@
             <a:fld id="{E708ED03-0080-49A2-B709-7DA4ACB3A1C3}" type="datetime1">
               <a:rPr lang="uk-UA" smtClean="0"/>
               <a:pPr/>
-              <a:t>31.01.2021</a:t>
+              <a:t>03.02.2021</a:t>
             </a:fld>
             <a:endParaRPr lang="uk-UA"/>
           </a:p>
@@ -10170,38 +10393,116 @@
           <a:chExt cx="0" cy="0"/>
         </a:xfrm>
       </p:grpSpPr>
+      <p:sp>
+        <p:nvSpPr>
+          <p:cNvPr id="25" name="TextBox 24"/>
+          <p:cNvSpPr txBox="1"/>
+          <p:nvPr/>
+        </p:nvSpPr>
+        <p:spPr>
+          <a:xfrm>
+            <a:off x="2217493" y="313492"/>
+            <a:ext cx="8761053" cy="523220"/>
+          </a:xfrm>
+          <a:prstGeom prst="rect">
+            <a:avLst/>
+          </a:prstGeom>
+          <a:noFill/>
+        </p:spPr>
+        <p:txBody>
+          <a:bodyPr wrap="none" rtlCol="0">
+            <a:spAutoFit/>
+          </a:bodyPr>
+          <a:lstStyle/>
+          <a:p>
+            <a:r>
+              <a:rPr lang="ru-RU" sz="2800" b="1" dirty="0"/>
+              <a:t>Удобная структура для домашних заданий на хостинге</a:t>
+            </a:r>
+          </a:p>
+        </p:txBody>
+      </p:sp>
+      <p:sp>
+        <p:nvSpPr>
+          <p:cNvPr id="2" name="TextBox 1"/>
+          <p:cNvSpPr txBox="1"/>
+          <p:nvPr/>
+        </p:nvSpPr>
+        <p:spPr>
+          <a:xfrm>
+            <a:off x="1" y="6063679"/>
+            <a:ext cx="8628767" cy="369332"/>
+          </a:xfrm>
+          <a:prstGeom prst="rect">
+            <a:avLst/>
+          </a:prstGeom>
+          <a:noFill/>
+        </p:spPr>
+        <p:txBody>
+          <a:bodyPr wrap="square" rtlCol="0">
+            <a:spAutoFit/>
+          </a:bodyPr>
+          <a:lstStyle/>
+          <a:p>
+            <a:pPr algn="ctr"/>
+            <a:r>
+              <a:rPr lang="ru-RU" b="1" dirty="0"/>
+              <a:t>Пример: </a:t>
+            </a:r>
+            <a:r>
+              <a:rPr lang="en-US" b="1" dirty="0">
+                <a:hlinkClick r:id="rId2"/>
+              </a:rPr>
+              <a:t>https://github.com/filebase-xyz/site-folder-example/archive/master.zip</a:t>
+            </a:r>
+            <a:endParaRPr lang="ru-RU" b="1" dirty="0"/>
+          </a:p>
+        </p:txBody>
+      </p:sp>
       <p:grpSp>
         <p:nvGrpSpPr>
-          <p:cNvPr id="13" name="Группа 12"/>
+          <p:cNvPr id="7" name="Групувати 6">
+            <a:extLst>
+              <a:ext uri="{FF2B5EF4-FFF2-40B4-BE49-F238E27FC236}">
+                <a16:creationId xmlns:a16="http://schemas.microsoft.com/office/drawing/2014/main" id="{E3044FAA-76FF-484C-8772-57AC13D71856}"/>
+              </a:ext>
+            </a:extLst>
+          </p:cNvPr>
           <p:cNvGrpSpPr/>
           <p:nvPr/>
         </p:nvGrpSpPr>
         <p:grpSpPr>
           <a:xfrm>
-            <a:off x="551384" y="836712"/>
-            <a:ext cx="7632848" cy="4752528"/>
-            <a:chOff x="911424" y="476672"/>
-            <a:chExt cx="9391969" cy="5688632"/>
+            <a:off x="263352" y="994155"/>
+            <a:ext cx="8496944" cy="4163037"/>
+            <a:chOff x="263352" y="1340768"/>
+            <a:chExt cx="8315573" cy="3991475"/>
           </a:xfrm>
         </p:grpSpPr>
         <p:pic>
           <p:nvPicPr>
-            <p:cNvPr id="10" name="Рисунок 9"/>
+            <p:cNvPr id="4" name="Рисунок 3">
+              <a:extLst>
+                <a:ext uri="{FF2B5EF4-FFF2-40B4-BE49-F238E27FC236}">
+                  <a16:creationId xmlns:a16="http://schemas.microsoft.com/office/drawing/2014/main" id="{145DE559-FAF9-4483-8136-FB4E6291B425}"/>
+                </a:ext>
+              </a:extLst>
+            </p:cNvPr>
             <p:cNvPicPr>
               <a:picLocks noChangeAspect="1"/>
             </p:cNvPicPr>
             <p:nvPr/>
           </p:nvPicPr>
           <p:blipFill>
-            <a:blip r:embed="rId2"/>
+            <a:blip r:embed="rId3"/>
             <a:stretch>
               <a:fillRect/>
             </a:stretch>
           </p:blipFill>
           <p:spPr>
             <a:xfrm>
-              <a:off x="911424" y="476672"/>
-              <a:ext cx="9391969" cy="5688632"/>
+              <a:off x="263352" y="1340768"/>
+              <a:ext cx="8315573" cy="3991475"/>
             </a:xfrm>
             <a:prstGeom prst="rect">
               <a:avLst/>
@@ -10210,313 +10511,503 @@
         </p:pic>
         <p:pic>
           <p:nvPicPr>
-            <p:cNvPr id="15" name="Picture 2" descr="http://www.vectorico.com/wp-content/uploads/2019/01/folder-icon-300x300.png"/>
+            <p:cNvPr id="6" name="Рисунок 5">
+              <a:extLst>
+                <a:ext uri="{FF2B5EF4-FFF2-40B4-BE49-F238E27FC236}">
+                  <a16:creationId xmlns:a16="http://schemas.microsoft.com/office/drawing/2014/main" id="{E0C14291-B461-4B1F-8B75-CB9160D55C74}"/>
+                </a:ext>
+              </a:extLst>
+            </p:cNvPr>
             <p:cNvPicPr>
-              <a:picLocks noChangeAspect="1" noChangeArrowheads="1"/>
+              <a:picLocks noChangeAspect="1"/>
             </p:cNvPicPr>
             <p:nvPr/>
           </p:nvPicPr>
-          <p:blipFill>
-            <a:blip r:embed="rId3" cstate="print">
+          <p:blipFill rotWithShape="1">
+            <a:blip r:embed="rId4">
               <a:extLst>
                 <a:ext uri="{28A0092B-C50C-407E-A947-70E740481C1C}">
                   <a14:useLocalDpi xmlns:a14="http://schemas.microsoft.com/office/drawing/2010/main" val="0"/>
                 </a:ext>
               </a:extLst>
             </a:blip>
-            <a:srcRect/>
-            <a:stretch>
-              <a:fillRect/>
-            </a:stretch>
+            <a:srcRect l="17186" t="17186" r="14073" b="14073"/>
+            <a:stretch/>
           </p:blipFill>
-          <p:spPr bwMode="auto">
+          <p:spPr>
             <a:xfrm>
-              <a:off x="1055440" y="764704"/>
-              <a:ext cx="337220" cy="337220"/>
+              <a:off x="658317" y="1509882"/>
+              <a:ext cx="175051" cy="175051"/>
             </a:xfrm>
             <a:prstGeom prst="rect">
               <a:avLst/>
             </a:prstGeom>
-            <a:noFill/>
-            <a:extLst>
-              <a:ext uri="{909E8E84-426E-40DD-AFC4-6F175D3DCCD1}">
-                <a14:hiddenFill xmlns:a14="http://schemas.microsoft.com/office/drawing/2010/main">
-                  <a:solidFill>
-                    <a:srgbClr val="FFFFFF"/>
-                  </a:solidFill>
-                </a14:hiddenFill>
-              </a:ext>
-            </a:extLst>
           </p:spPr>
         </p:pic>
         <p:pic>
           <p:nvPicPr>
-            <p:cNvPr id="16" name="Picture 2" descr="http://www.vectorico.com/wp-content/uploads/2019/01/folder-icon-300x300.png"/>
+            <p:cNvPr id="19" name="Рисунок 18">
+              <a:extLst>
+                <a:ext uri="{FF2B5EF4-FFF2-40B4-BE49-F238E27FC236}">
+                  <a16:creationId xmlns:a16="http://schemas.microsoft.com/office/drawing/2014/main" id="{36ED3037-E16F-49E0-B6D9-B7291976101E}"/>
+                </a:ext>
+              </a:extLst>
+            </p:cNvPr>
             <p:cNvPicPr>
-              <a:picLocks noChangeAspect="1" noChangeArrowheads="1"/>
+              <a:picLocks noChangeAspect="1"/>
             </p:cNvPicPr>
             <p:nvPr/>
           </p:nvPicPr>
-          <p:blipFill>
-            <a:blip r:embed="rId3" cstate="print">
+          <p:blipFill rotWithShape="1">
+            <a:blip r:embed="rId4">
               <a:extLst>
                 <a:ext uri="{28A0092B-C50C-407E-A947-70E740481C1C}">
                   <a14:useLocalDpi xmlns:a14="http://schemas.microsoft.com/office/drawing/2010/main" val="0"/>
                 </a:ext>
               </a:extLst>
             </a:blip>
-            <a:srcRect/>
-            <a:stretch>
-              <a:fillRect/>
-            </a:stretch>
+            <a:srcRect l="17186" t="17186" r="14073" b="14073"/>
+            <a:stretch/>
           </p:blipFill>
-          <p:spPr bwMode="auto">
+          <p:spPr>
             <a:xfrm>
-              <a:off x="1703512" y="3152378"/>
-              <a:ext cx="337220" cy="337220"/>
+              <a:off x="933649" y="1832124"/>
+              <a:ext cx="175051" cy="175051"/>
             </a:xfrm>
             <a:prstGeom prst="rect">
               <a:avLst/>
             </a:prstGeom>
-            <a:noFill/>
-            <a:extLst>
-              <a:ext uri="{909E8E84-426E-40DD-AFC4-6F175D3DCCD1}">
-                <a14:hiddenFill xmlns:a14="http://schemas.microsoft.com/office/drawing/2010/main">
-                  <a:solidFill>
-                    <a:srgbClr val="FFFFFF"/>
-                  </a:solidFill>
-                </a14:hiddenFill>
-              </a:ext>
-            </a:extLst>
           </p:spPr>
         </p:pic>
         <p:pic>
           <p:nvPicPr>
-            <p:cNvPr id="17" name="Picture 2" descr="http://www.vectorico.com/wp-content/uploads/2019/01/folder-icon-300x300.png"/>
+            <p:cNvPr id="22" name="Рисунок 21">
+              <a:extLst>
+                <a:ext uri="{FF2B5EF4-FFF2-40B4-BE49-F238E27FC236}">
+                  <a16:creationId xmlns:a16="http://schemas.microsoft.com/office/drawing/2014/main" id="{D50CE074-E25F-47FF-B871-D8BBBD02A57F}"/>
+                </a:ext>
+              </a:extLst>
+            </p:cNvPr>
             <p:cNvPicPr>
-              <a:picLocks noChangeAspect="1" noChangeArrowheads="1"/>
+              <a:picLocks noChangeAspect="1"/>
             </p:cNvPicPr>
             <p:nvPr/>
           </p:nvPicPr>
-          <p:blipFill>
-            <a:blip r:embed="rId3" cstate="print">
+          <p:blipFill rotWithShape="1">
+            <a:blip r:embed="rId4">
               <a:extLst>
                 <a:ext uri="{28A0092B-C50C-407E-A947-70E740481C1C}">
                   <a14:useLocalDpi xmlns:a14="http://schemas.microsoft.com/office/drawing/2010/main" val="0"/>
                 </a:ext>
               </a:extLst>
             </a:blip>
-            <a:srcRect/>
-            <a:stretch>
-              <a:fillRect/>
-            </a:stretch>
+            <a:srcRect l="17186" t="17186" r="14073" b="14073"/>
+            <a:stretch/>
           </p:blipFill>
-          <p:spPr bwMode="auto">
+          <p:spPr>
             <a:xfrm>
-              <a:off x="2368414" y="3524766"/>
-              <a:ext cx="337220" cy="337220"/>
+              <a:off x="1224856" y="1990308"/>
+              <a:ext cx="175051" cy="175051"/>
             </a:xfrm>
             <a:prstGeom prst="rect">
               <a:avLst/>
             </a:prstGeom>
-            <a:noFill/>
-            <a:extLst>
-              <a:ext uri="{909E8E84-426E-40DD-AFC4-6F175D3DCCD1}">
-                <a14:hiddenFill xmlns:a14="http://schemas.microsoft.com/office/drawing/2010/main">
-                  <a:solidFill>
-                    <a:srgbClr val="FFFFFF"/>
-                  </a:solidFill>
-                </a14:hiddenFill>
-              </a:ext>
-            </a:extLst>
           </p:spPr>
         </p:pic>
         <p:pic>
           <p:nvPicPr>
-            <p:cNvPr id="20" name="Picture 2" descr="http://www.vectorico.com/wp-content/uploads/2019/01/folder-icon-300x300.png"/>
+            <p:cNvPr id="23" name="Рисунок 22">
+              <a:extLst>
+                <a:ext uri="{FF2B5EF4-FFF2-40B4-BE49-F238E27FC236}">
+                  <a16:creationId xmlns:a16="http://schemas.microsoft.com/office/drawing/2014/main" id="{A3E30BB2-9C55-481E-AACD-B24019B6A689}"/>
+                </a:ext>
+              </a:extLst>
+            </p:cNvPr>
             <p:cNvPicPr>
-              <a:picLocks noChangeAspect="1" noChangeArrowheads="1"/>
+              <a:picLocks noChangeAspect="1"/>
             </p:cNvPicPr>
             <p:nvPr/>
           </p:nvPicPr>
-          <p:blipFill>
-            <a:blip r:embed="rId3" cstate="print">
+          <p:blipFill rotWithShape="1">
+            <a:blip r:embed="rId4">
               <a:extLst>
                 <a:ext uri="{28A0092B-C50C-407E-A947-70E740481C1C}">
                   <a14:useLocalDpi xmlns:a14="http://schemas.microsoft.com/office/drawing/2010/main" val="0"/>
                 </a:ext>
               </a:extLst>
             </a:blip>
-            <a:srcRect/>
-            <a:stretch>
-              <a:fillRect/>
-            </a:stretch>
+            <a:srcRect l="17186" t="17186" r="14073" b="14073"/>
+            <a:stretch/>
           </p:blipFill>
-          <p:spPr bwMode="auto">
+          <p:spPr>
             <a:xfrm>
-              <a:off x="2366017" y="4340510"/>
-              <a:ext cx="337220" cy="337220"/>
+              <a:off x="1224855" y="2309996"/>
+              <a:ext cx="175051" cy="175051"/>
             </a:xfrm>
             <a:prstGeom prst="rect">
               <a:avLst/>
             </a:prstGeom>
-            <a:noFill/>
-            <a:extLst>
-              <a:ext uri="{909E8E84-426E-40DD-AFC4-6F175D3DCCD1}">
-                <a14:hiddenFill xmlns:a14="http://schemas.microsoft.com/office/drawing/2010/main">
-                  <a:solidFill>
-                    <a:srgbClr val="FFFFFF"/>
-                  </a:solidFill>
-                </a14:hiddenFill>
-              </a:ext>
-            </a:extLst>
           </p:spPr>
         </p:pic>
         <p:pic>
           <p:nvPicPr>
-            <p:cNvPr id="21" name="Picture 2" descr="http://www.vectorico.com/wp-content/uploads/2019/01/folder-icon-300x300.png"/>
+            <p:cNvPr id="26" name="Рисунок 25">
+              <a:extLst>
+                <a:ext uri="{FF2B5EF4-FFF2-40B4-BE49-F238E27FC236}">
+                  <a16:creationId xmlns:a16="http://schemas.microsoft.com/office/drawing/2014/main" id="{570F6208-56D0-4FEB-A5CC-9C23F4EC8F95}"/>
+                </a:ext>
+              </a:extLst>
+            </p:cNvPr>
             <p:cNvPicPr>
-              <a:picLocks noChangeAspect="1" noChangeArrowheads="1"/>
+              <a:picLocks noChangeAspect="1"/>
             </p:cNvPicPr>
             <p:nvPr/>
           </p:nvPicPr>
-          <p:blipFill>
-            <a:blip r:embed="rId3" cstate="print">
+          <p:blipFill rotWithShape="1">
+            <a:blip r:embed="rId4">
               <a:extLst>
                 <a:ext uri="{28A0092B-C50C-407E-A947-70E740481C1C}">
                   <a14:useLocalDpi xmlns:a14="http://schemas.microsoft.com/office/drawing/2010/main" val="0"/>
                 </a:ext>
               </a:extLst>
             </a:blip>
-            <a:srcRect/>
-            <a:stretch>
-              <a:fillRect/>
-            </a:stretch>
+            <a:srcRect l="17186" t="17186" r="14073" b="14073"/>
+            <a:stretch/>
           </p:blipFill>
-          <p:spPr bwMode="auto">
+          <p:spPr>
             <a:xfrm>
-              <a:off x="2366017" y="5156254"/>
-              <a:ext cx="337220" cy="337220"/>
+              <a:off x="939999" y="2789436"/>
+              <a:ext cx="175051" cy="175051"/>
             </a:xfrm>
             <a:prstGeom prst="rect">
               <a:avLst/>
             </a:prstGeom>
-            <a:noFill/>
-            <a:extLst>
-              <a:ext uri="{909E8E84-426E-40DD-AFC4-6F175D3DCCD1}">
-                <a14:hiddenFill xmlns:a14="http://schemas.microsoft.com/office/drawing/2010/main">
-                  <a:solidFill>
-                    <a:srgbClr val="FFFFFF"/>
-                  </a:solidFill>
-                </a14:hiddenFill>
-              </a:ext>
-            </a:extLst>
+          </p:spPr>
+        </p:pic>
+        <p:pic>
+          <p:nvPicPr>
+            <p:cNvPr id="27" name="Рисунок 26">
+              <a:extLst>
+                <a:ext uri="{FF2B5EF4-FFF2-40B4-BE49-F238E27FC236}">
+                  <a16:creationId xmlns:a16="http://schemas.microsoft.com/office/drawing/2014/main" id="{BC5E448F-3F11-4790-9AA2-C3DCF3C6E5CE}"/>
+                </a:ext>
+              </a:extLst>
+            </p:cNvPr>
+            <p:cNvPicPr>
+              <a:picLocks noChangeAspect="1"/>
+            </p:cNvPicPr>
+            <p:nvPr/>
+          </p:nvPicPr>
+          <p:blipFill rotWithShape="1">
+            <a:blip r:embed="rId4">
+              <a:extLst>
+                <a:ext uri="{28A0092B-C50C-407E-A947-70E740481C1C}">
+                  <a14:useLocalDpi xmlns:a14="http://schemas.microsoft.com/office/drawing/2010/main" val="0"/>
+                </a:ext>
+              </a:extLst>
+            </a:blip>
+            <a:srcRect l="17186" t="17186" r="14073" b="14073"/>
+            <a:stretch/>
+          </p:blipFill>
+          <p:spPr>
+            <a:xfrm>
+              <a:off x="1222166" y="3114545"/>
+              <a:ext cx="175051" cy="175051"/>
+            </a:xfrm>
+            <a:prstGeom prst="rect">
+              <a:avLst/>
+            </a:prstGeom>
+          </p:spPr>
+        </p:pic>
+        <p:pic>
+          <p:nvPicPr>
+            <p:cNvPr id="28" name="Рисунок 27">
+              <a:extLst>
+                <a:ext uri="{FF2B5EF4-FFF2-40B4-BE49-F238E27FC236}">
+                  <a16:creationId xmlns:a16="http://schemas.microsoft.com/office/drawing/2014/main" id="{10F844F2-3673-4370-9A77-D02946B1B932}"/>
+                </a:ext>
+              </a:extLst>
+            </p:cNvPr>
+            <p:cNvPicPr>
+              <a:picLocks noChangeAspect="1"/>
+            </p:cNvPicPr>
+            <p:nvPr/>
+          </p:nvPicPr>
+          <p:blipFill rotWithShape="1">
+            <a:blip r:embed="rId4">
+              <a:extLst>
+                <a:ext uri="{28A0092B-C50C-407E-A947-70E740481C1C}">
+                  <a14:useLocalDpi xmlns:a14="http://schemas.microsoft.com/office/drawing/2010/main" val="0"/>
+                </a:ext>
+              </a:extLst>
+            </a:blip>
+            <a:srcRect l="17186" t="17186" r="14073" b="14073"/>
+            <a:stretch/>
+          </p:blipFill>
+          <p:spPr>
+            <a:xfrm>
+              <a:off x="1507509" y="3253949"/>
+              <a:ext cx="175051" cy="175051"/>
+            </a:xfrm>
+            <a:prstGeom prst="rect">
+              <a:avLst/>
+            </a:prstGeom>
+          </p:spPr>
+        </p:pic>
+        <p:pic>
+          <p:nvPicPr>
+            <p:cNvPr id="29" name="Рисунок 28">
+              <a:extLst>
+                <a:ext uri="{FF2B5EF4-FFF2-40B4-BE49-F238E27FC236}">
+                  <a16:creationId xmlns:a16="http://schemas.microsoft.com/office/drawing/2014/main" id="{5617D938-F6FA-4E1D-98EA-9B984AA9B633}"/>
+                </a:ext>
+              </a:extLst>
+            </p:cNvPr>
+            <p:cNvPicPr>
+              <a:picLocks noChangeAspect="1"/>
+            </p:cNvPicPr>
+            <p:nvPr/>
+          </p:nvPicPr>
+          <p:blipFill rotWithShape="1">
+            <a:blip r:embed="rId4">
+              <a:extLst>
+                <a:ext uri="{28A0092B-C50C-407E-A947-70E740481C1C}">
+                  <a14:useLocalDpi xmlns:a14="http://schemas.microsoft.com/office/drawing/2010/main" val="0"/>
+                </a:ext>
+              </a:extLst>
+            </a:blip>
+            <a:srcRect l="17186" t="17186" r="14073" b="14073"/>
+            <a:stretch/>
+          </p:blipFill>
+          <p:spPr>
+            <a:xfrm>
+              <a:off x="1507508" y="3579366"/>
+              <a:ext cx="175051" cy="175051"/>
+            </a:xfrm>
+            <a:prstGeom prst="rect">
+              <a:avLst/>
+            </a:prstGeom>
+          </p:spPr>
+        </p:pic>
+        <p:pic>
+          <p:nvPicPr>
+            <p:cNvPr id="30" name="Рисунок 29">
+              <a:extLst>
+                <a:ext uri="{FF2B5EF4-FFF2-40B4-BE49-F238E27FC236}">
+                  <a16:creationId xmlns:a16="http://schemas.microsoft.com/office/drawing/2014/main" id="{599E79FC-E50D-4C78-971A-9E40054A5F0C}"/>
+                </a:ext>
+              </a:extLst>
+            </p:cNvPr>
+            <p:cNvPicPr>
+              <a:picLocks noChangeAspect="1"/>
+            </p:cNvPicPr>
+            <p:nvPr/>
+          </p:nvPicPr>
+          <p:blipFill rotWithShape="1">
+            <a:blip r:embed="rId4">
+              <a:extLst>
+                <a:ext uri="{28A0092B-C50C-407E-A947-70E740481C1C}">
+                  <a14:useLocalDpi xmlns:a14="http://schemas.microsoft.com/office/drawing/2010/main" val="0"/>
+                </a:ext>
+              </a:extLst>
+            </a:blip>
+            <a:srcRect l="17186" t="17186" r="14073" b="14073"/>
+            <a:stretch/>
+          </p:blipFill>
+          <p:spPr>
+            <a:xfrm>
+              <a:off x="939999" y="4060839"/>
+              <a:ext cx="175051" cy="175051"/>
+            </a:xfrm>
+            <a:prstGeom prst="rect">
+              <a:avLst/>
+            </a:prstGeom>
+          </p:spPr>
+        </p:pic>
+        <p:pic>
+          <p:nvPicPr>
+            <p:cNvPr id="31" name="Рисунок 30">
+              <a:extLst>
+                <a:ext uri="{FF2B5EF4-FFF2-40B4-BE49-F238E27FC236}">
+                  <a16:creationId xmlns:a16="http://schemas.microsoft.com/office/drawing/2014/main" id="{68FBB6D2-ACEF-4543-85F7-58267F5FE843}"/>
+                </a:ext>
+              </a:extLst>
+            </p:cNvPr>
+            <p:cNvPicPr>
+              <a:picLocks noChangeAspect="1"/>
+            </p:cNvPicPr>
+            <p:nvPr/>
+          </p:nvPicPr>
+          <p:blipFill rotWithShape="1">
+            <a:blip r:embed="rId4">
+              <a:extLst>
+                <a:ext uri="{28A0092B-C50C-407E-A947-70E740481C1C}">
+                  <a14:useLocalDpi xmlns:a14="http://schemas.microsoft.com/office/drawing/2010/main" val="0"/>
+                </a:ext>
+              </a:extLst>
+            </a:blip>
+            <a:srcRect l="17186" t="17186" r="14073" b="14073"/>
+            <a:stretch/>
+          </p:blipFill>
+          <p:spPr>
+            <a:xfrm>
+              <a:off x="1212964" y="4388921"/>
+              <a:ext cx="175051" cy="175051"/>
+            </a:xfrm>
+            <a:prstGeom prst="rect">
+              <a:avLst/>
+            </a:prstGeom>
+          </p:spPr>
+        </p:pic>
+        <p:pic>
+          <p:nvPicPr>
+            <p:cNvPr id="32" name="Рисунок 31">
+              <a:extLst>
+                <a:ext uri="{FF2B5EF4-FFF2-40B4-BE49-F238E27FC236}">
+                  <a16:creationId xmlns:a16="http://schemas.microsoft.com/office/drawing/2014/main" id="{2CFECED8-6964-4DF6-BBDA-0B8630EF763E}"/>
+                </a:ext>
+              </a:extLst>
+            </p:cNvPr>
+            <p:cNvPicPr>
+              <a:picLocks noChangeAspect="1"/>
+            </p:cNvPicPr>
+            <p:nvPr/>
+          </p:nvPicPr>
+          <p:blipFill rotWithShape="1">
+            <a:blip r:embed="rId4">
+              <a:extLst>
+                <a:ext uri="{28A0092B-C50C-407E-A947-70E740481C1C}">
+                  <a14:useLocalDpi xmlns:a14="http://schemas.microsoft.com/office/drawing/2010/main" val="0"/>
+                </a:ext>
+              </a:extLst>
+            </a:blip>
+            <a:srcRect l="17186" t="17186" r="14073" b="14073"/>
+            <a:stretch/>
+          </p:blipFill>
+          <p:spPr>
+            <a:xfrm>
+              <a:off x="1507507" y="4546918"/>
+              <a:ext cx="175051" cy="175051"/>
+            </a:xfrm>
+            <a:prstGeom prst="rect">
+              <a:avLst/>
+            </a:prstGeom>
+          </p:spPr>
+        </p:pic>
+        <p:pic>
+          <p:nvPicPr>
+            <p:cNvPr id="33" name="Рисунок 32">
+              <a:extLst>
+                <a:ext uri="{FF2B5EF4-FFF2-40B4-BE49-F238E27FC236}">
+                  <a16:creationId xmlns:a16="http://schemas.microsoft.com/office/drawing/2014/main" id="{B8D68226-8E79-4944-B66D-D255970BF0D8}"/>
+                </a:ext>
+              </a:extLst>
+            </p:cNvPr>
+            <p:cNvPicPr>
+              <a:picLocks noChangeAspect="1"/>
+            </p:cNvPicPr>
+            <p:nvPr/>
+          </p:nvPicPr>
+          <p:blipFill rotWithShape="1">
+            <a:blip r:embed="rId4">
+              <a:extLst>
+                <a:ext uri="{28A0092B-C50C-407E-A947-70E740481C1C}">
+                  <a14:useLocalDpi xmlns:a14="http://schemas.microsoft.com/office/drawing/2010/main" val="0"/>
+                </a:ext>
+              </a:extLst>
+            </a:blip>
+            <a:srcRect l="17186" t="17186" r="14073" b="14073"/>
+            <a:stretch/>
+          </p:blipFill>
+          <p:spPr>
+            <a:xfrm>
+              <a:off x="1507506" y="4872062"/>
+              <a:ext cx="175051" cy="175051"/>
+            </a:xfrm>
+            <a:prstGeom prst="rect">
+              <a:avLst/>
+            </a:prstGeom>
           </p:spPr>
         </p:pic>
       </p:grpSp>
       <p:pic>
         <p:nvPicPr>
-          <p:cNvPr id="24" name="Рисунок 23"/>
+          <p:cNvPr id="9" name="Рисунок 8">
+            <a:extLst>
+              <a:ext uri="{FF2B5EF4-FFF2-40B4-BE49-F238E27FC236}">
+                <a16:creationId xmlns:a16="http://schemas.microsoft.com/office/drawing/2014/main" id="{FE887D8A-B03B-418D-BF66-36465B5AD3A9}"/>
+              </a:ext>
+            </a:extLst>
+          </p:cNvPr>
           <p:cNvPicPr>
             <a:picLocks noChangeAspect="1"/>
           </p:cNvPicPr>
           <p:nvPr/>
         </p:nvPicPr>
-        <p:blipFill rotWithShape="1">
-          <a:blip r:embed="rId4"/>
-          <a:srcRect b="20271"/>
-          <a:stretch/>
+        <p:blipFill>
+          <a:blip r:embed="rId5"/>
+          <a:stretch>
+            <a:fillRect/>
+          </a:stretch>
         </p:blipFill>
         <p:spPr>
           <a:xfrm>
-            <a:off x="5951984" y="2031124"/>
-            <a:ext cx="4700432" cy="3267650"/>
+            <a:off x="7680176" y="4287830"/>
+            <a:ext cx="4133106" cy="1254434"/>
           </a:xfrm>
           <a:prstGeom prst="rect">
             <a:avLst/>
           </a:prstGeom>
           <a:ln>
             <a:solidFill>
-              <a:schemeClr val="bg1">
-                <a:lumMod val="75000"/>
-              </a:schemeClr>
+              <a:srgbClr val="00B0F0"/>
             </a:solidFill>
           </a:ln>
           <a:effectLst>
-            <a:outerShdw blurRad="190500" algn="tl" rotWithShape="0">
-              <a:srgbClr val="000000">
-                <a:alpha val="70000"/>
+            <a:outerShdw blurRad="292100" dist="139700" dir="2700000" algn="tl" rotWithShape="0">
+              <a:srgbClr val="333333">
+                <a:alpha val="65000"/>
               </a:srgbClr>
             </a:outerShdw>
           </a:effectLst>
         </p:spPr>
       </p:pic>
-      <p:sp>
-        <p:nvSpPr>
-          <p:cNvPr id="25" name="TextBox 24"/>
-          <p:cNvSpPr txBox="1"/>
+      <p:pic>
+        <p:nvPicPr>
+          <p:cNvPr id="35" name="Рисунок 34">
+            <a:extLst>
+              <a:ext uri="{FF2B5EF4-FFF2-40B4-BE49-F238E27FC236}">
+                <a16:creationId xmlns:a16="http://schemas.microsoft.com/office/drawing/2014/main" id="{392A13E7-C414-4F4F-9AC3-592E38BD0BDA}"/>
+              </a:ext>
+            </a:extLst>
+          </p:cNvPr>
+          <p:cNvPicPr>
+            <a:picLocks noChangeAspect="1"/>
+          </p:cNvPicPr>
           <p:nvPr/>
-        </p:nvSpPr>
+        </p:nvPicPr>
+        <p:blipFill>
+          <a:blip r:embed="rId6">
+            <a:extLst>
+              <a:ext uri="{28A0092B-C50C-407E-A947-70E740481C1C}">
+                <a14:useLocalDpi xmlns:a14="http://schemas.microsoft.com/office/drawing/2010/main" val="0"/>
+              </a:ext>
+            </a:extLst>
+          </a:blip>
+          <a:stretch>
+            <a:fillRect/>
+          </a:stretch>
+        </p:blipFill>
         <p:spPr>
           <a:xfrm>
-            <a:off x="2217493" y="313492"/>
-            <a:ext cx="8761053" cy="523220"/>
+            <a:off x="8472264" y="5895387"/>
+            <a:ext cx="705916" cy="705916"/>
           </a:xfrm>
           <a:prstGeom prst="rect">
             <a:avLst/>
           </a:prstGeom>
-          <a:noFill/>
-        </p:spPr>
-        <p:txBody>
-          <a:bodyPr wrap="none" rtlCol="0">
-            <a:spAutoFit/>
-          </a:bodyPr>
-          <a:lstStyle/>
-          <a:p>
-            <a:r>
-              <a:rPr lang="ru-RU" sz="2800" b="1" dirty="0"/>
-              <a:t>Удобная структура для домашних заданий на хостинге</a:t>
-            </a:r>
-          </a:p>
-        </p:txBody>
-      </p:sp>
-      <p:sp>
-        <p:nvSpPr>
-          <p:cNvPr id="2" name="TextBox 1"/>
-          <p:cNvSpPr txBox="1"/>
-          <p:nvPr/>
-        </p:nvSpPr>
-        <p:spPr>
-          <a:xfrm>
-            <a:off x="1" y="6063679"/>
-            <a:ext cx="12192000" cy="461665"/>
-          </a:xfrm>
-          <a:prstGeom prst="rect">
-            <a:avLst/>
-          </a:prstGeom>
-          <a:noFill/>
-        </p:spPr>
-        <p:txBody>
-          <a:bodyPr wrap="square" rtlCol="0">
-            <a:spAutoFit/>
-          </a:bodyPr>
-          <a:lstStyle/>
-          <a:p>
-            <a:pPr algn="ctr"/>
-            <a:r>
-              <a:rPr lang="ru-RU" sz="2400" b="1" dirty="0"/>
-              <a:t>Пример: </a:t>
-            </a:r>
-            <a:r>
-              <a:rPr lang="en-US" sz="2400" b="1" dirty="0">
-                <a:hlinkClick r:id="rId5"/>
-              </a:rPr>
-              <a:t>https://codesandbox.io/s/inspiring-gareth-oyu8k?file=/index.html</a:t>
-            </a:r>
-            <a:endParaRPr lang="ru-RU" sz="2400" b="1" dirty="0"/>
-          </a:p>
-        </p:txBody>
-      </p:sp>
+        </p:spPr>
+      </p:pic>
     </p:spTree>
     <p:extLst>
       <p:ext uri="{BB962C8B-B14F-4D97-AF65-F5344CB8AC3E}">
